--- a/LabDoc/media/Versuchsaufbau.pptx
+++ b/LabDoc/media/Versuchsaufbau.pptx
@@ -3224,7 +3224,7 @@
           <a:solidFill>
             <a:schemeClr val="accent6">
               <a:lumMod val="75000"/>
-              <a:alpha val="31999"/>
+              <a:alpha val="31998"/>
             </a:schemeClr>
           </a:solidFill>
         </p:spPr>
@@ -3265,7 +3265,7 @@
           <p:nvPr/>
         </p:nvCxnSpPr>
         <p:spPr bwMode="auto">
-          <a:xfrm rot="10799990" flipH="0" flipV="1">
+          <a:xfrm rot="10799989" flipH="0" flipV="1">
             <a:off x="1499054" y="3872589"/>
             <a:ext cx="6797240" cy="455272"/>
           </a:xfrm>
@@ -3445,7 +3445,7 @@
         <p:spPr bwMode="auto">
           <a:xfrm flipH="0" flipV="0">
             <a:off x="833227" y="4475823"/>
-            <a:ext cx="4179902" cy="425387"/>
+            <a:ext cx="4179901" cy="425387"/>
           </a:xfrm>
           <a:prstGeom prst="rect">
             <a:avLst/>
@@ -3537,7 +3537,7 @@
         </p:nvSpPr>
         <p:spPr bwMode="auto">
           <a:xfrm flipH="0" flipV="0">
-            <a:off x="833229" y="3902474"/>
+            <a:off x="833229" y="3902473"/>
             <a:ext cx="1331650" cy="425387"/>
           </a:xfrm>
           <a:prstGeom prst="rect">
@@ -3596,7 +3596,7 @@
         </p:nvSpPr>
         <p:spPr bwMode="auto">
           <a:xfrm flipH="0" flipV="0">
-            <a:off x="2257354" y="3902474"/>
+            <a:off x="2257354" y="3902473"/>
             <a:ext cx="1331649" cy="425387"/>
           </a:xfrm>
           <a:prstGeom prst="rect">
@@ -3801,7 +3801,7 @@
           <p:nvPr/>
         </p:nvCxnSpPr>
         <p:spPr bwMode="auto">
-          <a:xfrm rot="10799990" flipH="0" flipV="0">
+          <a:xfrm rot="10799989" flipH="0" flipV="0">
             <a:off x="4347305" y="3902473"/>
             <a:ext cx="2006723" cy="573348"/>
           </a:xfrm>
@@ -3849,7 +3849,7 @@
         <p:spPr bwMode="auto">
           <a:xfrm flipH="0" flipV="0">
             <a:off x="8296295" y="4688517"/>
-            <a:ext cx="346363" cy="1346868"/>
+            <a:ext cx="346363" cy="1346867"/>
           </a:xfrm>
           <a:prstGeom prst="rect">
             <a:avLst/>
@@ -4094,7 +4094,7 @@
         </p:nvSpPr>
         <p:spPr bwMode="auto">
           <a:xfrm flipH="0" flipV="0">
-            <a:off x="8755227" y="3263109"/>
+            <a:off x="8755227" y="3263108"/>
             <a:ext cx="2182089" cy="484908"/>
           </a:xfrm>
           <a:prstGeom prst="rect">
@@ -4147,7 +4147,7 @@
           <p:nvPr/>
         </p:nvCxnSpPr>
         <p:spPr bwMode="auto">
-          <a:xfrm rot="10799990" flipH="0" flipV="1">
+          <a:xfrm rot="10799989" flipH="0" flipV="1">
             <a:off x="4157731" y="5342658"/>
             <a:ext cx="4181859" cy="122655"/>
           </a:xfrm>
@@ -4267,7 +4267,7 @@
           <a:stretch/>
         </p:blipFill>
         <p:spPr bwMode="auto">
-          <a:xfrm rot="10799990" flipH="0" flipV="0">
+          <a:xfrm rot="10799989" flipH="0" flipV="0">
             <a:off x="10803992" y="5282380"/>
             <a:ext cx="852899" cy="852899"/>
           </a:xfrm>
@@ -4353,7 +4353,7 @@
           <p:nvPr/>
         </p:nvCxnSpPr>
         <p:spPr bwMode="auto">
-          <a:xfrm rot="5399978" flipH="0" flipV="0">
+          <a:xfrm rot="5399977" flipH="0" flipV="0">
             <a:off x="1044000" y="2300400"/>
             <a:ext cx="1090158" cy="199158"/>
           </a:xfrm>
@@ -4523,6 +4523,68 @@
       </p:pic>
       <p:pic>
         <p:nvPicPr>
+          <p:cNvPr id="2039878658" name=""/>
+          <p:cNvPicPr>
+            <a:picLocks noChangeAspect="1"/>
+          </p:cNvPicPr>
+          <p:nvPr/>
+        </p:nvPicPr>
+        <p:blipFill>
+          <a:blip r:embed="rId2"/>
+          <a:stretch/>
+        </p:blipFill>
+        <p:spPr bwMode="auto">
+          <a:xfrm flipH="0" flipV="0">
+            <a:off x="9309408" y="1155304"/>
+            <a:ext cx="852899" cy="852899"/>
+          </a:xfrm>
+          <a:prstGeom prst="rect">
+            <a:avLst/>
+          </a:prstGeom>
+        </p:spPr>
+      </p:pic>
+      <p:sp>
+        <p:nvSpPr>
+          <p:cNvPr id="994474660" name=""/>
+          <p:cNvSpPr/>
+          <p:nvPr/>
+        </p:nvSpPr>
+        <p:spPr bwMode="auto">
+          <a:xfrm flipH="0" flipV="0">
+            <a:off x="9008082" y="1220679"/>
+            <a:ext cx="434635" cy="453130"/>
+          </a:xfrm>
+          <a:prstGeom prst="rect">
+            <a:avLst/>
+          </a:prstGeom>
+          <a:solidFill>
+            <a:schemeClr val="bg1"/>
+          </a:solidFill>
+          <a:ln w="12700" cap="flat" cmpd="sng" algn="ctr">
+            <a:noFill/>
+            <a:prstDash val="solid"/>
+            <a:miter lim="800000"/>
+          </a:ln>
+        </p:spPr>
+        <p:style>
+          <a:lnRef idx="2">
+            <a:schemeClr val="accent1">
+              <a:shade val="50000"/>
+            </a:schemeClr>
+          </a:lnRef>
+          <a:fillRef idx="1">
+            <a:schemeClr val="accent1"/>
+          </a:fillRef>
+          <a:effectRef idx="0">
+            <a:schemeClr val="accent1"/>
+          </a:effectRef>
+          <a:fontRef idx="minor">
+            <a:schemeClr val="lt1"/>
+          </a:fontRef>
+        </p:style>
+      </p:sp>
+      <p:pic>
+        <p:nvPicPr>
           <p:cNvPr id="1149313149" name=""/>
           <p:cNvPicPr>
             <a:picLocks noChangeAspect="1"/>
@@ -4535,30 +4597,8 @@
         </p:blipFill>
         <p:spPr bwMode="auto">
           <a:xfrm flipH="0" flipV="0">
-            <a:off x="9083908" y="1285373"/>
+            <a:off x="9083908" y="1299054"/>
             <a:ext cx="296380" cy="296380"/>
-          </a:xfrm>
-          <a:prstGeom prst="rect">
-            <a:avLst/>
-          </a:prstGeom>
-        </p:spPr>
-      </p:pic>
-      <p:pic>
-        <p:nvPicPr>
-          <p:cNvPr id="2039878658" name=""/>
-          <p:cNvPicPr>
-            <a:picLocks noChangeAspect="1"/>
-          </p:cNvPicPr>
-          <p:nvPr/>
-        </p:nvPicPr>
-        <p:blipFill>
-          <a:blip r:embed="rId2"/>
-          <a:stretch/>
-        </p:blipFill>
-        <p:spPr bwMode="auto">
-          <a:xfrm flipH="0" flipV="0">
-            <a:off x="9309408" y="1155304"/>
-            <a:ext cx="852899" cy="852899"/>
           </a:xfrm>
           <a:prstGeom prst="rect">
             <a:avLst/>
